--- a/data-viz-01/component/introduction.pptx
+++ b/data-viz-01/component/introduction.pptx
@@ -577,6 +577,22 @@
             </a:r>
             <a:r>
               <a:rPr/>
+              <a:t>three</a:t>
+            </a:r>
+            <a:r>
+              <a:rPr/>
+              <a:t> </a:t>
+            </a:r>
+            <a:r>
+              <a:rPr/>
+              <a:t>to</a:t>
+            </a:r>
+            <a:r>
+              <a:rPr/>
+              <a:t> </a:t>
+            </a:r>
+            <a:r>
+              <a:rPr/>
               <a:t>five</a:t>
             </a:r>
             <a:r>
@@ -585,6 +601,30 @@
             </a:r>
             <a:r>
               <a:rPr/>
+              <a:t>modules.</a:t>
+            </a:r>
+            <a:r>
+              <a:rPr/>
+              <a:t> </a:t>
+            </a:r>
+            <a:r>
+              <a:rPr/>
+              <a:t>The</a:t>
+            </a:r>
+            <a:r>
+              <a:rPr/>
+              <a:t> </a:t>
+            </a:r>
+            <a:r>
+              <a:rPr/>
+              <a:t>basic</a:t>
+            </a:r>
+            <a:r>
+              <a:rPr/>
+              <a:t> </a:t>
+            </a:r>
+            <a:r>
+              <a:rPr/>
               <a:t>modules</a:t>
             </a:r>
             <a:r>
@@ -593,14 +633,6 @@
             </a:r>
             <a:r>
               <a:rPr/>
-              <a:t>that</a:t>
-            </a:r>
-            <a:r>
-              <a:rPr/>
-              <a:t> </a:t>
-            </a:r>
-            <a:r>
-              <a:rPr/>
               <a:t>cover</a:t>
             </a:r>
             <a:r>
@@ -633,6 +665,14 @@
             </a:r>
             <a:r>
               <a:rPr/>
+              <a:t>and</a:t>
+            </a:r>
+            <a:r>
+              <a:rPr/>
+              <a:t> </a:t>
+            </a:r>
+            <a:r>
+              <a:rPr/>
               <a:t>line</a:t>
             </a:r>
             <a:r>
@@ -641,7 +681,55 @@
             </a:r>
             <a:r>
               <a:rPr/>
-              <a:t>plots,</a:t>
+              <a:t>plots.</a:t>
+            </a:r>
+            <a:r>
+              <a:rPr/>
+              <a:t> </a:t>
+            </a:r>
+            <a:r>
+              <a:rPr/>
+              <a:t>There</a:t>
+            </a:r>
+            <a:r>
+              <a:rPr/>
+              <a:t> </a:t>
+            </a:r>
+            <a:r>
+              <a:rPr/>
+              <a:t>are</a:t>
+            </a:r>
+            <a:r>
+              <a:rPr/>
+              <a:t> </a:t>
+            </a:r>
+            <a:r>
+              <a:rPr/>
+              <a:t>optional</a:t>
+            </a:r>
+            <a:r>
+              <a:rPr/>
+              <a:t> </a:t>
+            </a:r>
+            <a:r>
+              <a:rPr/>
+              <a:t>advanced</a:t>
+            </a:r>
+            <a:r>
+              <a:rPr/>
+              <a:t> </a:t>
+            </a:r>
+            <a:r>
+              <a:rPr/>
+              <a:t>modules</a:t>
+            </a:r>
+            <a:r>
+              <a:rPr/>
+              <a:t> </a:t>
+            </a:r>
+            <a:r>
+              <a:rPr/>
+              <a:t>on</a:t>
             </a:r>
             <a:r>
               <a:rPr/>
@@ -657,7 +745,7 @@
             </a:r>
             <a:r>
               <a:rPr/>
-              <a:t>plots,</a:t>
+              <a:t>plots</a:t>
             </a:r>
             <a:r>
               <a:rPr/>
@@ -835,7 +923,111 @@
             </a:r>
             <a:r>
               <a:rPr/>
-              <a:t>need.</a:t>
+              <a:t>should</a:t>
+            </a:r>
+            <a:r>
+              <a:rPr/>
+              <a:t> </a:t>
+            </a:r>
+            <a:r>
+              <a:rPr/>
+              <a:t>do</a:t>
+            </a:r>
+            <a:r>
+              <a:rPr/>
+              <a:t> </a:t>
+            </a:r>
+            <a:r>
+              <a:rPr/>
+              <a:t>before</a:t>
+            </a:r>
+            <a:r>
+              <a:rPr/>
+              <a:t> </a:t>
+            </a:r>
+            <a:r>
+              <a:rPr/>
+              <a:t>the</a:t>
+            </a:r>
+            <a:r>
+              <a:rPr/>
+              <a:t> </a:t>
+            </a:r>
+            <a:r>
+              <a:rPr/>
+              <a:t>class</a:t>
+            </a:r>
+            <a:r>
+              <a:rPr/>
+              <a:t> </a:t>
+            </a:r>
+            <a:r>
+              <a:rPr/>
+              <a:t>starts</a:t>
+            </a:r>
+            <a:r>
+              <a:rPr/>
+              <a:t> </a:t>
+            </a:r>
+            <a:r>
+              <a:rPr/>
+              <a:t>or</a:t>
+            </a:r>
+            <a:r>
+              <a:rPr/>
+              <a:t> </a:t>
+            </a:r>
+            <a:r>
+              <a:rPr/>
+              <a:t>at</a:t>
+            </a:r>
+            <a:r>
+              <a:rPr/>
+              <a:t> </a:t>
+            </a:r>
+            <a:r>
+              <a:rPr/>
+              <a:t>the</a:t>
+            </a:r>
+            <a:r>
+              <a:rPr/>
+              <a:t> </a:t>
+            </a:r>
+            <a:r>
+              <a:rPr/>
+              <a:t>very</a:t>
+            </a:r>
+            <a:r>
+              <a:rPr/>
+              <a:t> </a:t>
+            </a:r>
+            <a:r>
+              <a:rPr/>
+              <a:t>beginning</a:t>
+            </a:r>
+            <a:r>
+              <a:rPr/>
+              <a:t> </a:t>
+            </a:r>
+            <a:r>
+              <a:rPr/>
+              <a:t>of</a:t>
+            </a:r>
+            <a:r>
+              <a:rPr/>
+              <a:t> </a:t>
+            </a:r>
+            <a:r>
+              <a:rPr/>
+              <a:t>the</a:t>
+            </a:r>
+            <a:r>
+              <a:rPr/>
+              <a:t> </a:t>
+            </a:r>
+            <a:r>
+              <a:rPr/>
+              <a:t>class..</a:t>
             </a:r>
           </a:p>
           <a:p>
@@ -1001,7 +1193,7 @@
             </a:r>
             <a:r>
               <a:rPr/>
-              <a:t>in</a:t>
+              <a:t>(in</a:t>
             </a:r>
             <a:r>
               <a:rPr/>
@@ -1033,15 +1225,7 @@
             </a:r>
             <a:r>
               <a:rPr/>
-              <a:t>less</a:t>
-            </a:r>
-            <a:r>
-              <a:rPr/>
-              <a:t> </a:t>
-            </a:r>
-            <a:r>
-              <a:rPr/>
-              <a:t>what</a:t>
+              <a:t>less)</a:t>
             </a:r>
             <a:r>
               <a:rPr/>
@@ -1122,6 +1306,14 @@
             <a:r>
               <a:rPr/>
               <a:t>convey.</a:t>
+            </a:r>
+            <a:r>
+              <a:rPr/>
+              <a:t> </a:t>
+            </a:r>
+            <a:r>
+              <a:rPr/>
+              <a:t>The</a:t>
             </a:r>
           </a:p>
           <a:p>
@@ -1969,7 +2161,15 @@
             </a:r>
             <a:r>
               <a:rPr/>
-              <a:t>identify</a:t>
+              <a:t>and</a:t>
+            </a:r>
+            <a:r>
+              <a:rPr/>
+              <a:t> </a:t>
+            </a:r>
+            <a:r>
+              <a:rPr/>
+              <a:t>relate</a:t>
             </a:r>
             <a:r>
               <a:rPr/>
@@ -2017,7 +2217,55 @@
             </a:r>
             <a:r>
               <a:rPr/>
-              <a:t>used.</a:t>
+              <a:t>to</a:t>
+            </a:r>
+            <a:r>
+              <a:rPr/>
+              <a:t> </a:t>
+            </a:r>
+            <a:r>
+              <a:rPr/>
+              <a:t>concepts</a:t>
+            </a:r>
+            <a:r>
+              <a:rPr/>
+              <a:t> </a:t>
+            </a:r>
+            <a:r>
+              <a:rPr/>
+              <a:t>discussed</a:t>
+            </a:r>
+            <a:r>
+              <a:rPr/>
+              <a:t> </a:t>
+            </a:r>
+            <a:r>
+              <a:rPr/>
+              <a:t>in</a:t>
+            </a:r>
+            <a:r>
+              <a:rPr/>
+              <a:t> </a:t>
+            </a:r>
+            <a:r>
+              <a:rPr/>
+              <a:t>the</a:t>
+            </a:r>
+            <a:r>
+              <a:rPr/>
+              <a:t> </a:t>
+            </a:r>
+            <a:r>
+              <a:rPr/>
+              <a:t>previous</a:t>
+            </a:r>
+            <a:r>
+              <a:rPr/>
+              <a:t> </a:t>
+            </a:r>
+            <a:r>
+              <a:rPr/>
+              <a:t>lecture.</a:t>
             </a:r>
           </a:p>
           <a:p>
@@ -2221,7 +2469,7 @@
             </a:pPr>
             <a:r>
               <a:rPr/>
-              <a:t>Then</a:t>
+              <a:t>Finally,</a:t>
             </a:r>
             <a:r>
               <a:rPr/>
@@ -2413,7 +2661,7 @@
             </a:r>
             <a:r>
               <a:rPr/>
-              <a:t>this</a:t>
+              <a:t>each</a:t>
             </a:r>
             <a:r>
               <a:rPr/>
@@ -4801,15 +5049,15 @@
             </a:r>
             <a:r>
               <a:rPr/>
-              <a:t>Steve</a:t>
-            </a:r>
-            <a:r>
-              <a:rPr/>
-              <a:t> </a:t>
-            </a:r>
-            <a:r>
-              <a:rPr/>
-              <a:t>Simon</a:t>
+              <a:t>My</a:t>
+            </a:r>
+            <a:r>
+              <a:rPr/>
+              <a:t> </a:t>
+            </a:r>
+            <a:r>
+              <a:rPr/>
+              <a:t>teacher</a:t>
             </a:r>
             <a:r>
               <a:rPr/>
@@ -4857,6 +5105,138 @@
             </a:r>
             <a:r>
               <a:rPr/>
+              <a:t>says</a:t>
+            </a:r>
+            <a:r>
+              <a:rPr/>
+              <a:t> </a:t>
+            </a:r>
+            <a:r>
+              <a:rPr/>
+              <a:t>that</a:t>
+            </a:r>
+            <a:r>
+              <a:rPr/>
+              <a:t> </a:t>
+            </a:r>
+            <a:r>
+              <a:rPr/>
+              <a:t>the</a:t>
+            </a:r>
+            <a:r>
+              <a:rPr/>
+              <a:t> </a:t>
+            </a:r>
+            <a:r>
+              <a:rPr/>
+              <a:t>_____</a:t>
+            </a:r>
+            <a:r>
+              <a:rPr/>
+              <a:t> </a:t>
+            </a:r>
+            <a:r>
+              <a:rPr/>
+              <a:t>package</a:t>
+            </a:r>
+            <a:r>
+              <a:rPr/>
+              <a:t> </a:t>
+            </a:r>
+            <a:r>
+              <a:rPr/>
+              <a:t>in</a:t>
+            </a:r>
+            <a:r>
+              <a:rPr/>
+              <a:t> </a:t>
+            </a:r>
+            <a:r>
+              <a:rPr/>
+              <a:t>_____</a:t>
+            </a:r>
+            <a:r>
+              <a:rPr/>
+              <a:t> </a:t>
+            </a:r>
+            <a:r>
+              <a:rPr/>
+              <a:t>is</a:t>
+            </a:r>
+            <a:r>
+              <a:rPr/>
+              <a:t> </a:t>
+            </a:r>
+            <a:r>
+              <a:rPr/>
+              <a:t>the</a:t>
+            </a:r>
+            <a:r>
+              <a:rPr/>
+              <a:t> </a:t>
+            </a:r>
+            <a:r>
+              <a:rPr/>
+              <a:t>best</a:t>
+            </a:r>
+            <a:r>
+              <a:rPr/>
+              <a:t> </a:t>
+            </a:r>
+            <a:r>
+              <a:rPr/>
+              <a:t>choice</a:t>
+            </a:r>
+            <a:r>
+              <a:rPr/>
+              <a:t> </a:t>
+            </a:r>
+            <a:r>
+              <a:rPr/>
+              <a:t>for</a:t>
+            </a:r>
+            <a:r>
+              <a:rPr/>
+              <a:t> </a:t>
+            </a:r>
+            <a:r>
+              <a:rPr/>
+              <a:t>data</a:t>
+            </a:r>
+            <a:r>
+              <a:rPr/>
+              <a:t> </a:t>
+            </a:r>
+            <a:r>
+              <a:rPr/>
+              <a:t>visualization.</a:t>
+            </a:r>
+            <a:r>
+              <a:rPr/>
+              <a:t>”</a:t>
+            </a:r>
+            <a:r>
+              <a:rPr/>
+              <a:t> </a:t>
+            </a:r>
+            <a:r>
+              <a:rPr/>
+              <a:t>Try</a:t>
+            </a:r>
+            <a:r>
+              <a:rPr/>
+              <a:t> </a:t>
+            </a:r>
+            <a:r>
+              <a:rPr/>
+              <a:t>it</a:t>
+            </a:r>
+            <a:r>
+              <a:rPr/>
+              <a:t> </a:t>
+            </a:r>
+            <a:r>
+              <a:rPr/>
               <a:t>and</a:t>
             </a:r>
             <a:r>
@@ -4865,15 +5245,111 @@
             </a:r>
             <a:r>
               <a:rPr/>
-              <a:t>he</a:t>
-            </a:r>
-            <a:r>
-              <a:rPr/>
-              <a:t> </a:t>
-            </a:r>
-            <a:r>
-              <a:rPr/>
-              <a:t>says</a:t>
+              <a:t>see</a:t>
+            </a:r>
+            <a:r>
+              <a:rPr/>
+              <a:t> </a:t>
+            </a:r>
+            <a:r>
+              <a:rPr/>
+              <a:t>what</a:t>
+            </a:r>
+            <a:r>
+              <a:rPr/>
+              <a:t> </a:t>
+            </a:r>
+            <a:r>
+              <a:rPr/>
+              <a:t>happens.</a:t>
+            </a:r>
+            <a:r>
+              <a:rPr/>
+              <a:t> </a:t>
+            </a:r>
+            <a:r>
+              <a:rPr/>
+              <a:t>Nothing,</a:t>
+            </a:r>
+            <a:r>
+              <a:rPr/>
+              <a:t> </a:t>
+            </a:r>
+            <a:r>
+              <a:rPr/>
+              <a:t>I</a:t>
+            </a:r>
+            <a:r>
+              <a:rPr/>
+              <a:t> </a:t>
+            </a:r>
+            <a:r>
+              <a:rPr/>
+              <a:t>suspect.</a:t>
+            </a:r>
+            <a:r>
+              <a:rPr/>
+              <a:t> </a:t>
+            </a:r>
+            <a:r>
+              <a:rPr/>
+              <a:t>One</a:t>
+            </a:r>
+            <a:r>
+              <a:rPr/>
+              <a:t> </a:t>
+            </a:r>
+            <a:r>
+              <a:rPr/>
+              <a:t>of</a:t>
+            </a:r>
+            <a:r>
+              <a:rPr/>
+              <a:t> </a:t>
+            </a:r>
+            <a:r>
+              <a:rPr/>
+              <a:t>the</a:t>
+            </a:r>
+            <a:r>
+              <a:rPr/>
+              <a:t> </a:t>
+            </a:r>
+            <a:r>
+              <a:rPr/>
+              <a:t>great</a:t>
+            </a:r>
+            <a:r>
+              <a:rPr/>
+              <a:t> </a:t>
+            </a:r>
+            <a:r>
+              <a:rPr/>
+              <a:t>tragedies</a:t>
+            </a:r>
+            <a:r>
+              <a:rPr/>
+              <a:t> </a:t>
+            </a:r>
+            <a:r>
+              <a:rPr/>
+              <a:t>in</a:t>
+            </a:r>
+            <a:r>
+              <a:rPr/>
+              <a:t> </a:t>
+            </a:r>
+            <a:r>
+              <a:rPr/>
+              <a:t>life</a:t>
+            </a:r>
+            <a:r>
+              <a:rPr/>
+              <a:t> </a:t>
+            </a:r>
+            <a:r>
+              <a:rPr/>
+              <a:t>is</a:t>
             </a:r>
             <a:r>
               <a:rPr/>
@@ -4897,15 +5373,31 @@
             </a:r>
             <a:r>
               <a:rPr/>
-              <a:t>ggplot2</a:t>
-            </a:r>
-            <a:r>
-              <a:rPr/>
-              <a:t> </a:t>
-            </a:r>
-            <a:r>
-              <a:rPr/>
-              <a:t>package</a:t>
+              <a:t>wise</a:t>
+            </a:r>
+            <a:r>
+              <a:rPr/>
+              <a:t> </a:t>
+            </a:r>
+            <a:r>
+              <a:rPr/>
+              <a:t>advice</a:t>
+            </a:r>
+            <a:r>
+              <a:rPr/>
+              <a:t> </a:t>
+            </a:r>
+            <a:r>
+              <a:rPr/>
+              <a:t>you</a:t>
+            </a:r>
+            <a:r>
+              <a:rPr/>
+              <a:t> </a:t>
+            </a:r>
+            <a:r>
+              <a:rPr/>
+              <a:t>get</a:t>
             </a:r>
             <a:r>
               <a:rPr/>
@@ -4921,267 +5413,15 @@
             </a:r>
             <a:r>
               <a:rPr/>
-              <a:t>R</a:t>
-            </a:r>
-            <a:r>
-              <a:rPr/>
-              <a:t> </a:t>
-            </a:r>
-            <a:r>
-              <a:rPr/>
-              <a:t>is</a:t>
-            </a:r>
-            <a:r>
-              <a:rPr/>
-              <a:t> </a:t>
-            </a:r>
-            <a:r>
-              <a:rPr/>
-              <a:t>the</a:t>
-            </a:r>
-            <a:r>
-              <a:rPr/>
-              <a:t> </a:t>
-            </a:r>
-            <a:r>
-              <a:rPr/>
-              <a:t>best</a:t>
-            </a:r>
-            <a:r>
-              <a:rPr/>
-              <a:t> </a:t>
-            </a:r>
-            <a:r>
-              <a:rPr/>
-              <a:t>choice</a:t>
-            </a:r>
-            <a:r>
-              <a:rPr/>
-              <a:t> </a:t>
-            </a:r>
-            <a:r>
-              <a:rPr/>
-              <a:t>for</a:t>
-            </a:r>
-            <a:r>
-              <a:rPr/>
-              <a:t> </a:t>
-            </a:r>
-            <a:r>
-              <a:rPr/>
-              <a:t>data</a:t>
-            </a:r>
-            <a:r>
-              <a:rPr/>
-              <a:t> </a:t>
-            </a:r>
-            <a:r>
-              <a:rPr/>
-              <a:t>visualization.</a:t>
-            </a:r>
-            <a:r>
-              <a:rPr/>
-              <a:t>”</a:t>
-            </a:r>
-            <a:r>
-              <a:rPr/>
-              <a:t> </a:t>
-            </a:r>
-            <a:r>
-              <a:rPr/>
-              <a:t>Try</a:t>
-            </a:r>
-            <a:r>
-              <a:rPr/>
-              <a:t> </a:t>
-            </a:r>
-            <a:r>
-              <a:rPr/>
-              <a:t>it</a:t>
-            </a:r>
-            <a:r>
-              <a:rPr/>
-              <a:t> </a:t>
-            </a:r>
-            <a:r>
-              <a:rPr/>
-              <a:t>and</a:t>
-            </a:r>
-            <a:r>
-              <a:rPr/>
-              <a:t> </a:t>
-            </a:r>
-            <a:r>
-              <a:rPr/>
-              <a:t>see</a:t>
-            </a:r>
-            <a:r>
-              <a:rPr/>
-              <a:t> </a:t>
-            </a:r>
-            <a:r>
-              <a:rPr/>
-              <a:t>what</a:t>
-            </a:r>
-            <a:r>
-              <a:rPr/>
-              <a:t> </a:t>
-            </a:r>
-            <a:r>
-              <a:rPr/>
-              <a:t>happens.</a:t>
-            </a:r>
-            <a:r>
-              <a:rPr/>
-              <a:t> </a:t>
-            </a:r>
-            <a:r>
-              <a:rPr/>
-              <a:t>Nothing,</a:t>
-            </a:r>
-            <a:r>
-              <a:rPr/>
-              <a:t> </a:t>
-            </a:r>
-            <a:r>
-              <a:rPr/>
-              <a:t>I</a:t>
-            </a:r>
-            <a:r>
-              <a:rPr/>
-              <a:t> </a:t>
-            </a:r>
-            <a:r>
-              <a:rPr/>
-              <a:t>suspect.</a:t>
-            </a:r>
-            <a:r>
-              <a:rPr/>
-              <a:t> </a:t>
-            </a:r>
-            <a:r>
-              <a:rPr/>
-              <a:t>One</a:t>
-            </a:r>
-            <a:r>
-              <a:rPr/>
-              <a:t> </a:t>
-            </a:r>
-            <a:r>
-              <a:rPr/>
-              <a:t>of</a:t>
-            </a:r>
-            <a:r>
-              <a:rPr/>
-              <a:t> </a:t>
-            </a:r>
-            <a:r>
-              <a:rPr/>
-              <a:t>the</a:t>
-            </a:r>
-            <a:r>
-              <a:rPr/>
-              <a:t> </a:t>
-            </a:r>
-            <a:r>
-              <a:rPr/>
-              <a:t>great</a:t>
-            </a:r>
-            <a:r>
-              <a:rPr/>
-              <a:t> </a:t>
-            </a:r>
-            <a:r>
-              <a:rPr/>
-              <a:t>tragedies</a:t>
-            </a:r>
-            <a:r>
-              <a:rPr/>
-              <a:t> </a:t>
-            </a:r>
-            <a:r>
-              <a:rPr/>
-              <a:t>in</a:t>
-            </a:r>
-            <a:r>
-              <a:rPr/>
-              <a:t> </a:t>
-            </a:r>
-            <a:r>
-              <a:rPr/>
-              <a:t>life</a:t>
-            </a:r>
-            <a:r>
-              <a:rPr/>
-              <a:t> </a:t>
-            </a:r>
-            <a:r>
-              <a:rPr/>
-              <a:t>is</a:t>
-            </a:r>
-            <a:r>
-              <a:rPr/>
-              <a:t> </a:t>
-            </a:r>
-            <a:r>
-              <a:rPr/>
-              <a:t>that</a:t>
-            </a:r>
-            <a:r>
-              <a:rPr/>
-              <a:t> </a:t>
-            </a:r>
-            <a:r>
-              <a:rPr/>
-              <a:t>the</a:t>
-            </a:r>
-            <a:r>
-              <a:rPr/>
-              <a:t> </a:t>
-            </a:r>
-            <a:r>
-              <a:rPr/>
-              <a:t>SSSS</a:t>
-            </a:r>
-            <a:r>
-              <a:rPr/>
-              <a:t> </a:t>
-            </a:r>
-            <a:r>
-              <a:rPr/>
-              <a:t>principle</a:t>
-            </a:r>
-            <a:r>
-              <a:rPr/>
-              <a:t> </a:t>
-            </a:r>
-            <a:r>
-              <a:rPr/>
-              <a:t>(Steve</a:t>
-            </a:r>
-            <a:r>
-              <a:rPr/>
-              <a:t> </a:t>
-            </a:r>
-            <a:r>
-              <a:rPr/>
-              <a:t>Simon</a:t>
-            </a:r>
-            <a:r>
-              <a:rPr/>
-              <a:t> </a:t>
-            </a:r>
-            <a:r>
-              <a:rPr/>
-              <a:t>Said</a:t>
-            </a:r>
-            <a:r>
-              <a:rPr/>
-              <a:t> </a:t>
-            </a:r>
-            <a:r>
-              <a:rPr/>
-              <a:t>So)</a:t>
+              <a:t>this</a:t>
+            </a:r>
+            <a:r>
+              <a:rPr/>
+              <a:t> </a:t>
+            </a:r>
+            <a:r>
+              <a:rPr/>
+              <a:t>class</a:t>
             </a:r>
             <a:r>
               <a:rPr/>
@@ -6033,7 +6273,151 @@
             </a:r>
             <a:r>
               <a:rPr/>
-              <a:t>better.</a:t>
+              <a:t>better?</a:t>
+            </a:r>
+            <a:r>
+              <a:rPr/>
+              <a:t> </a:t>
+            </a:r>
+            <a:r>
+              <a:rPr/>
+              <a:t>I</a:t>
+            </a:r>
+            <a:r>
+              <a:rPr/>
+              <a:t> </a:t>
+            </a:r>
+            <a:r>
+              <a:rPr/>
+              <a:t>don’t</a:t>
+            </a:r>
+            <a:r>
+              <a:rPr/>
+              <a:t> </a:t>
+            </a:r>
+            <a:r>
+              <a:rPr/>
+              <a:t>know</a:t>
+            </a:r>
+            <a:r>
+              <a:rPr/>
+              <a:t> </a:t>
+            </a:r>
+            <a:r>
+              <a:rPr/>
+              <a:t>and</a:t>
+            </a:r>
+            <a:r>
+              <a:rPr/>
+              <a:t> </a:t>
+            </a:r>
+            <a:r>
+              <a:rPr/>
+              <a:t>it</a:t>
+            </a:r>
+            <a:r>
+              <a:rPr/>
+              <a:t> </a:t>
+            </a:r>
+            <a:r>
+              <a:rPr/>
+              <a:t>would</a:t>
+            </a:r>
+            <a:r>
+              <a:rPr/>
+              <a:t> </a:t>
+            </a:r>
+            <a:r>
+              <a:rPr/>
+              <a:t>be</a:t>
+            </a:r>
+            <a:r>
+              <a:rPr/>
+              <a:t> </a:t>
+            </a:r>
+            <a:r>
+              <a:rPr/>
+              <a:t>arrogant</a:t>
+            </a:r>
+            <a:r>
+              <a:rPr/>
+              <a:t> </a:t>
+            </a:r>
+            <a:r>
+              <a:rPr/>
+              <a:t>of</a:t>
+            </a:r>
+            <a:r>
+              <a:rPr/>
+              <a:t> </a:t>
+            </a:r>
+            <a:r>
+              <a:rPr/>
+              <a:t>me</a:t>
+            </a:r>
+            <a:r>
+              <a:rPr/>
+              <a:t> </a:t>
+            </a:r>
+            <a:r>
+              <a:rPr/>
+              <a:t>to</a:t>
+            </a:r>
+            <a:r>
+              <a:rPr/>
+              <a:t> </a:t>
+            </a:r>
+            <a:r>
+              <a:rPr/>
+              <a:t>make</a:t>
+            </a:r>
+            <a:r>
+              <a:rPr/>
+              <a:t> </a:t>
+            </a:r>
+            <a:r>
+              <a:rPr/>
+              <a:t>the</a:t>
+            </a:r>
+            <a:r>
+              <a:rPr/>
+              <a:t> </a:t>
+            </a:r>
+            <a:r>
+              <a:rPr/>
+              <a:t>presumption</a:t>
+            </a:r>
+            <a:r>
+              <a:rPr/>
+              <a:t> </a:t>
+            </a:r>
+            <a:r>
+              <a:rPr/>
+              <a:t>that</a:t>
+            </a:r>
+            <a:r>
+              <a:rPr/>
+              <a:t> </a:t>
+            </a:r>
+            <a:r>
+              <a:rPr/>
+              <a:t>I</a:t>
+            </a:r>
+            <a:r>
+              <a:rPr/>
+              <a:t> </a:t>
+            </a:r>
+            <a:r>
+              <a:rPr/>
+              <a:t>do</a:t>
+            </a:r>
+            <a:r>
+              <a:rPr/>
+              <a:t> </a:t>
+            </a:r>
+            <a:r>
+              <a:rPr/>
+              <a:t>know.</a:t>
             </a:r>
           </a:p>
           <a:p>
@@ -9781,7 +10165,7 @@
             </a:pPr>
             <a:r>
               <a:rPr/>
-              <a:t>data-viz-01,</a:t>
+              <a:t>Scatterplots,</a:t>
             </a:r>
             <a:r>
               <a:rPr/>
@@ -9830,6 +10214,39 @@
             <a:r>
               <a:rPr/>
               <a:t>Simon</a:t>
+            </a:r>
+          </a:p>
+        </p:txBody>
+      </p:sp>
+      <p:sp>
+        <p:nvSpPr>
+          <p:cNvPr id="4" name="Date Placeholder 3"/>
+          <p:cNvSpPr>
+            <a:spLocks noGrp="1"/>
+          </p:cNvSpPr>
+          <p:nvPr>
+            <p:ph type="dt" sz="half" idx="10"/>
+          </p:nvPr>
+        </p:nvSpPr>
+        <p:spPr/>
+        <p:txBody>
+          <a:bodyPr/>
+          <a:lstStyle/>
+          <a:p>
+            <a:pPr lvl="0" marL="0" indent="0">
+              <a:buNone/>
+            </a:pPr>
+            <a:r>
+              <a:rPr/>
+              <a:t>Created</a:t>
+            </a:r>
+            <a:r>
+              <a:rPr/>
+              <a:t> </a:t>
+            </a:r>
+            <a:r>
+              <a:rPr/>
+              <a:t>2019-08-16</a:t>
             </a:r>
           </a:p>
         </p:txBody>
@@ -9907,35 +10324,35 @@
             <a:pPr lvl="1"/>
             <a:r>
               <a:rPr/>
-              <a:t>Data-viz-01, Scatterplots</a:t>
+              <a:t>Scatterplots</a:t>
             </a:r>
           </a:p>
           <a:p>
             <a:pPr lvl="1"/>
             <a:r>
               <a:rPr/>
-              <a:t>Data-viz-02, Bar charts</a:t>
+              <a:t>Bar charts</a:t>
             </a:r>
           </a:p>
           <a:p>
             <a:pPr lvl="1"/>
             <a:r>
               <a:rPr/>
-              <a:t>Data-viz-03, Line plots</a:t>
+              <a:t>Line plots</a:t>
             </a:r>
           </a:p>
           <a:p>
             <a:pPr lvl="1"/>
             <a:r>
               <a:rPr/>
-              <a:t>Data-viz-04, Surface plots</a:t>
+              <a:t>Surface plots (optional)</a:t>
             </a:r>
           </a:p>
           <a:p>
             <a:pPr lvl="1"/>
             <a:r>
               <a:rPr/>
-              <a:t>Data-viz-05, Maps</a:t>
+              <a:t>Maps (optional)</a:t>
             </a:r>
           </a:p>
         </p:txBody>
